--- a/slides/ORM.pptx
+++ b/slides/ORM.pptx
@@ -9,7 +9,12 @@
     <p:sldId id="258" r:id="rId3"/>
     <p:sldId id="259" r:id="rId4"/>
     <p:sldId id="260" r:id="rId5"/>
-    <p:sldId id="257" r:id="rId6"/>
+    <p:sldId id="263" r:id="rId6"/>
+    <p:sldId id="264" r:id="rId7"/>
+    <p:sldId id="265" r:id="rId8"/>
+    <p:sldId id="261" r:id="rId9"/>
+    <p:sldId id="262" r:id="rId10"/>
+    <p:sldId id="257" r:id="rId11"/>
   </p:sldIdLst>
   <p:sldSz cx="12192000" cy="6858000"/>
   <p:notesSz cx="6858000" cy="9144000"/>
@@ -3026,6 +3031,93 @@
 </p:sld>
 </file>
 
+<file path=ppt/slides/slide10.xml><?xml version="1.0" encoding="utf-8"?>
+<p:sld xmlns:a="http://schemas.openxmlformats.org/drawingml/2006/main" xmlns:r="http://schemas.openxmlformats.org/officeDocument/2006/relationships" xmlns:p="http://schemas.openxmlformats.org/presentationml/2006/main">
+  <p:cSld>
+    <p:spTree>
+      <p:nvGrpSpPr>
+        <p:cNvPr id="1" name=""/>
+        <p:cNvGrpSpPr/>
+        <p:nvPr/>
+      </p:nvGrpSpPr>
+      <p:grpSpPr>
+        <a:xfrm>
+          <a:off x="0" y="0"/>
+          <a:ext cx="0" cy="0"/>
+          <a:chOff x="0" y="0"/>
+          <a:chExt cx="0" cy="0"/>
+        </a:xfrm>
+      </p:grpSpPr>
+      <p:sp>
+        <p:nvSpPr>
+          <p:cNvPr id="2" name="Título 1"/>
+          <p:cNvSpPr>
+            <a:spLocks noGrp="1"/>
+          </p:cNvSpPr>
+          <p:nvPr>
+            <p:ph type="title"/>
+          </p:nvPr>
+        </p:nvSpPr>
+        <p:spPr/>
+        <p:txBody>
+          <a:bodyPr/>
+          <a:lstStyle/>
+          <a:p>
+            <a:r>
+              <a:rPr lang="pt-BR" dirty="0" smtClean="0"/>
+              <a:t>Referências Bibliográficas</a:t>
+            </a:r>
+            <a:endParaRPr lang="pt-BR" dirty="0"/>
+          </a:p>
+        </p:txBody>
+      </p:sp>
+      <p:sp>
+        <p:nvSpPr>
+          <p:cNvPr id="3" name="Espaço Reservado para Conteúdo 2"/>
+          <p:cNvSpPr>
+            <a:spLocks noGrp="1"/>
+          </p:cNvSpPr>
+          <p:nvPr>
+            <p:ph idx="1"/>
+          </p:nvPr>
+        </p:nvSpPr>
+        <p:spPr/>
+        <p:txBody>
+          <a:bodyPr>
+            <a:normAutofit/>
+          </a:bodyPr>
+          <a:lstStyle/>
+          <a:p>
+            <a:r>
+              <a:rPr lang="pt-BR" sz="1800" dirty="0" smtClean="0">
+                <a:hlinkClick r:id="rId2"/>
+              </a:rPr>
+              <a:t>https://www-freecodecamp-org.translate.goog/news/what-is-an-orm-the-meaning-of-object-relational-mapping-database-tools/?_x_tr_sl=en&amp;_x_tr_tl=pt&amp;_x_tr_hl=pt&amp;_x_tr_pto=tc</a:t>
+            </a:r>
+            <a:endParaRPr lang="pt-BR" sz="1800" dirty="0" smtClean="0"/>
+          </a:p>
+          <a:p>
+            <a:r>
+              <a:rPr lang="pt-BR" sz="1800" dirty="0" smtClean="0"/>
+              <a:t>https://renan04-marques.medium.com/oque-é-orm-3432889661f6</a:t>
+            </a:r>
+            <a:endParaRPr lang="pt-BR" sz="1800" dirty="0"/>
+          </a:p>
+        </p:txBody>
+      </p:sp>
+    </p:spTree>
+    <p:extLst>
+      <p:ext uri="{BB962C8B-B14F-4D97-AF65-F5344CB8AC3E}">
+        <p14:creationId xmlns:p14="http://schemas.microsoft.com/office/powerpoint/2010/main" val="1937136445"/>
+      </p:ext>
+    </p:extLst>
+  </p:cSld>
+  <p:clrMapOvr>
+    <a:masterClrMapping/>
+  </p:clrMapOvr>
+</p:sld>
+</file>
+
 <file path=ppt/slides/slide2.xml><?xml version="1.0" encoding="utf-8"?>
 <p:sld xmlns:a="http://schemas.openxmlformats.org/drawingml/2006/main" xmlns:r="http://schemas.openxmlformats.org/officeDocument/2006/relationships" xmlns:p="http://schemas.openxmlformats.org/presentationml/2006/main">
   <p:cSld>
@@ -3350,11 +3442,21 @@
             </a:r>
             <a:r>
               <a:rPr lang="pt-BR" dirty="0" smtClean="0"/>
-              <a:t>código ou no banco </a:t>
-            </a:r>
-            <a:r>
-              <a:rPr lang="pt-BR" smtClean="0"/>
-              <a:t>de dados</a:t>
+              <a:t>código ou no banco de dados.</a:t>
+            </a:r>
+          </a:p>
+          <a:p>
+            <a:r>
+              <a:rPr lang="pt-BR" dirty="0"/>
+              <a:t>Os </a:t>
+            </a:r>
+            <a:r>
+              <a:rPr lang="pt-BR" dirty="0" err="1"/>
+              <a:t>ORMs</a:t>
+            </a:r>
+            <a:r>
+              <a:rPr lang="pt-BR" dirty="0"/>
+              <a:t> usam dois padrões principais e diversas estratégias (que podem ser combinadas com um ou ambos os padrões) para mapear objetos de aplicativo para estruturas de banco de dados .</a:t>
             </a:r>
             <a:endParaRPr lang="pt-BR" sz="2400" dirty="0"/>
           </a:p>
@@ -3400,15 +3502,209 @@
             <p:ph type="title"/>
           </p:nvPr>
         </p:nvSpPr>
-        <p:spPr/>
-        <p:txBody>
-          <a:bodyPr/>
-          <a:lstStyle/>
-          <a:p>
-            <a:r>
-              <a:rPr lang="pt-BR" dirty="0" smtClean="0"/>
-              <a:t>Referências Bibliográficas</a:t>
-            </a:r>
+        <p:spPr>
+          <a:xfrm>
+            <a:off x="838200" y="1407886"/>
+            <a:ext cx="10515600" cy="853167"/>
+          </a:xfrm>
+        </p:spPr>
+        <p:txBody>
+          <a:bodyPr>
+            <a:normAutofit fontScale="90000"/>
+          </a:bodyPr>
+          <a:lstStyle/>
+          <a:p>
+            <a:pPr fontAlgn="base"/>
+            <a:r>
+              <a:rPr lang="pt-BR" b="1" dirty="0" smtClean="0"/>
+              <a:t>Padrão de registro ativo </a:t>
+            </a:r>
+            <a:br>
+              <a:rPr lang="pt-BR" b="1" dirty="0" smtClean="0"/>
+            </a:br>
+            <a:r>
+              <a:rPr lang="pt-BR" sz="3600" i="1" dirty="0"/>
+              <a:t>Active </a:t>
+            </a:r>
+            <a:r>
+              <a:rPr lang="pt-BR" sz="3600" i="1" dirty="0" err="1"/>
+              <a:t>record</a:t>
+            </a:r>
+            <a:r>
+              <a:rPr lang="pt-BR" sz="3600" i="1" dirty="0"/>
+              <a:t> </a:t>
+            </a:r>
+            <a:r>
+              <a:rPr lang="pt-BR" sz="3600" i="1" dirty="0" err="1"/>
+              <a:t>pattern</a:t>
+            </a:r>
+            <a:r>
+              <a:rPr lang="pt-BR" dirty="0"/>
+              <a:t/>
+            </a:r>
+            <a:br>
+              <a:rPr lang="pt-BR" dirty="0"/>
+            </a:br>
+            <a:r>
+              <a:rPr lang="pt-BR" dirty="0"/>
+              <a:t/>
+            </a:r>
+            <a:br>
+              <a:rPr lang="pt-BR" dirty="0"/>
+            </a:br>
+            <a:r>
+              <a:rPr lang="pt-BR" b="1" dirty="0" smtClean="0"/>
+              <a:t/>
+            </a:r>
+            <a:br>
+              <a:rPr lang="pt-BR" b="1" dirty="0" smtClean="0"/>
+            </a:br>
+            <a:endParaRPr lang="pt-BR" dirty="0"/>
+          </a:p>
+        </p:txBody>
+      </p:sp>
+      <p:sp>
+        <p:nvSpPr>
+          <p:cNvPr id="3" name="Espaço Reservado para Conteúdo 2"/>
+          <p:cNvSpPr>
+            <a:spLocks noGrp="1"/>
+          </p:cNvSpPr>
+          <p:nvPr>
+            <p:ph idx="1"/>
+          </p:nvPr>
+        </p:nvSpPr>
+        <p:spPr/>
+        <p:txBody>
+          <a:bodyPr/>
+          <a:lstStyle/>
+          <a:p>
+            <a:pPr fontAlgn="base"/>
+            <a:r>
+              <a:rPr lang="pt-BR" sz="2400" dirty="0" smtClean="0"/>
+              <a:t>Um </a:t>
+            </a:r>
+            <a:r>
+              <a:rPr lang="pt-BR" sz="2400" dirty="0"/>
+              <a:t>padrão de registro ativo vincula um aplicativo a um esquema de banco de dados. Ele equipara tabelas a classes, linhas a objetos e colunas a atributos. Chaves estrangeiras (atributos que se referem a chaves primárias ou </a:t>
+            </a:r>
+            <a:r>
+              <a:rPr lang="pt-BR" sz="2400" dirty="0" err="1"/>
+              <a:t>IDs</a:t>
+            </a:r>
+            <a:r>
+              <a:rPr lang="pt-BR" sz="2400" dirty="0"/>
+              <a:t> de linha exclusivos em outra tabela) representam relacionamentos: elas servem como um equivalente a referências entre objetos no código.</a:t>
+            </a:r>
+          </a:p>
+          <a:p>
+            <a:pPr fontAlgn="base"/>
+            <a:r>
+              <a:rPr lang="pt-BR" sz="2400" dirty="0"/>
+              <a:t>Cada classe fornece os métodos básicos para operações CRUD (criar, ler, atualizar, excluir), de modo que a classe é responsável por atualizar ou excluir a si mesma.</a:t>
+            </a:r>
+          </a:p>
+          <a:p>
+            <a:endParaRPr lang="pt-BR" dirty="0"/>
+          </a:p>
+        </p:txBody>
+      </p:sp>
+    </p:spTree>
+    <p:extLst>
+      <p:ext uri="{BB962C8B-B14F-4D97-AF65-F5344CB8AC3E}">
+        <p14:creationId xmlns:p14="http://schemas.microsoft.com/office/powerpoint/2010/main" val="3534056869"/>
+      </p:ext>
+    </p:extLst>
+  </p:cSld>
+  <p:clrMapOvr>
+    <a:masterClrMapping/>
+  </p:clrMapOvr>
+</p:sld>
+</file>
+
+<file path=ppt/slides/slide6.xml><?xml version="1.0" encoding="utf-8"?>
+<p:sld xmlns:a="http://schemas.openxmlformats.org/drawingml/2006/main" xmlns:r="http://schemas.openxmlformats.org/officeDocument/2006/relationships" xmlns:p="http://schemas.openxmlformats.org/presentationml/2006/main">
+  <p:cSld>
+    <p:spTree>
+      <p:nvGrpSpPr>
+        <p:cNvPr id="1" name=""/>
+        <p:cNvGrpSpPr/>
+        <p:nvPr/>
+      </p:nvGrpSpPr>
+      <p:grpSpPr>
+        <a:xfrm>
+          <a:off x="0" y="0"/>
+          <a:ext cx="0" cy="0"/>
+          <a:chOff x="0" y="0"/>
+          <a:chExt cx="0" cy="0"/>
+        </a:xfrm>
+      </p:grpSpPr>
+      <p:sp>
+        <p:nvSpPr>
+          <p:cNvPr id="2" name="Título 1"/>
+          <p:cNvSpPr>
+            <a:spLocks noGrp="1"/>
+          </p:cNvSpPr>
+          <p:nvPr>
+            <p:ph type="title"/>
+          </p:nvPr>
+        </p:nvSpPr>
+        <p:spPr>
+          <a:xfrm>
+            <a:off x="838200" y="1407886"/>
+            <a:ext cx="10515600" cy="853167"/>
+          </a:xfrm>
+        </p:spPr>
+        <p:txBody>
+          <a:bodyPr>
+            <a:normAutofit fontScale="90000"/>
+          </a:bodyPr>
+          <a:lstStyle/>
+          <a:p>
+            <a:pPr fontAlgn="base"/>
+            <a:r>
+              <a:rPr lang="pt-BR" b="1" dirty="0" smtClean="0"/>
+              <a:t>Padrão de registro ativo </a:t>
+            </a:r>
+            <a:br>
+              <a:rPr lang="pt-BR" b="1" dirty="0" smtClean="0"/>
+            </a:br>
+            <a:r>
+              <a:rPr lang="pt-BR" sz="3600" i="1" dirty="0"/>
+              <a:t>Active </a:t>
+            </a:r>
+            <a:r>
+              <a:rPr lang="pt-BR" sz="3600" i="1" dirty="0" err="1"/>
+              <a:t>record</a:t>
+            </a:r>
+            <a:r>
+              <a:rPr lang="pt-BR" sz="3600" i="1" dirty="0"/>
+              <a:t> </a:t>
+            </a:r>
+            <a:r>
+              <a:rPr lang="pt-BR" sz="3600" i="1" dirty="0" err="1"/>
+              <a:t>pattern</a:t>
+            </a:r>
+            <a:r>
+              <a:rPr lang="pt-BR" dirty="0"/>
+              <a:t/>
+            </a:r>
+            <a:br>
+              <a:rPr lang="pt-BR" dirty="0"/>
+            </a:br>
+            <a:r>
+              <a:rPr lang="pt-BR" dirty="0"/>
+              <a:t/>
+            </a:r>
+            <a:br>
+              <a:rPr lang="pt-BR" dirty="0"/>
+            </a:br>
+            <a:r>
+              <a:rPr lang="pt-BR" b="1" dirty="0" smtClean="0"/>
+              <a:t/>
+            </a:r>
+            <a:br>
+              <a:rPr lang="pt-BR" b="1" dirty="0" smtClean="0"/>
+            </a:br>
             <a:endParaRPr lang="pt-BR" dirty="0"/>
           </a:p>
         </p:txBody>
@@ -3430,27 +3726,411 @@
           </a:bodyPr>
           <a:lstStyle/>
           <a:p>
-            <a:r>
-              <a:rPr lang="pt-BR" sz="1800" dirty="0" smtClean="0">
-                <a:hlinkClick r:id="rId2"/>
-              </a:rPr>
-              <a:t>https://www-freecodecamp-org.translate.goog/news/what-is-an-orm-the-meaning-of-object-relational-mapping-database-tools/?_x_tr_sl=en&amp;_x_tr_tl=pt&amp;_x_tr_hl=pt&amp;_x_tr_pto=tc</a:t>
-            </a:r>
-            <a:endParaRPr lang="pt-BR" sz="1800" dirty="0" smtClean="0"/>
-          </a:p>
-          <a:p>
-            <a:r>
-              <a:rPr lang="pt-BR" sz="1800" dirty="0" smtClean="0"/>
-              <a:t>https://renan04-marques.medium.com/oque-é-orm-3432889661f6</a:t>
-            </a:r>
-            <a:endParaRPr lang="pt-BR" sz="1800" dirty="0"/>
+            <a:pPr fontAlgn="base"/>
+            <a:r>
+              <a:rPr lang="pt-BR" sz="2400" dirty="0"/>
+              <a:t>Quando um aplicativo altera um objeto, o banco de dados atualiza automaticamente as tabelas correspondentes a essas alterações. E vice-versa, as alterações em um banco de dados são refletidas no código. Na verdade, não há uma camada adicional entre a lógica e o banco de dados. No entanto, um registro ativo ainda abstrai o mapeamento e gera SQL, que são características marcantes do ORM.</a:t>
+            </a:r>
           </a:p>
         </p:txBody>
       </p:sp>
     </p:spTree>
     <p:extLst>
       <p:ext uri="{BB962C8B-B14F-4D97-AF65-F5344CB8AC3E}">
-        <p14:creationId xmlns:p14="http://schemas.microsoft.com/office/powerpoint/2010/main" val="1937136445"/>
+        <p14:creationId xmlns:p14="http://schemas.microsoft.com/office/powerpoint/2010/main" val="2238262113"/>
+      </p:ext>
+    </p:extLst>
+  </p:cSld>
+  <p:clrMapOvr>
+    <a:masterClrMapping/>
+  </p:clrMapOvr>
+</p:sld>
+</file>
+
+<file path=ppt/slides/slide7.xml><?xml version="1.0" encoding="utf-8"?>
+<p:sld xmlns:a="http://schemas.openxmlformats.org/drawingml/2006/main" xmlns:r="http://schemas.openxmlformats.org/officeDocument/2006/relationships" xmlns:p="http://schemas.openxmlformats.org/presentationml/2006/main">
+  <p:cSld>
+    <p:spTree>
+      <p:nvGrpSpPr>
+        <p:cNvPr id="1" name=""/>
+        <p:cNvGrpSpPr/>
+        <p:nvPr/>
+      </p:nvGrpSpPr>
+      <p:grpSpPr>
+        <a:xfrm>
+          <a:off x="0" y="0"/>
+          <a:ext cx="0" cy="0"/>
+          <a:chOff x="0" y="0"/>
+          <a:chExt cx="0" cy="0"/>
+        </a:xfrm>
+      </p:grpSpPr>
+      <p:sp>
+        <p:nvSpPr>
+          <p:cNvPr id="2" name="Título 1"/>
+          <p:cNvSpPr>
+            <a:spLocks noGrp="1"/>
+          </p:cNvSpPr>
+          <p:nvPr>
+            <p:ph type="title"/>
+          </p:nvPr>
+        </p:nvSpPr>
+        <p:spPr>
+          <a:xfrm>
+            <a:off x="838200" y="1132115"/>
+            <a:ext cx="10515600" cy="853167"/>
+          </a:xfrm>
+        </p:spPr>
+        <p:txBody>
+          <a:bodyPr>
+            <a:normAutofit fontScale="90000"/>
+          </a:bodyPr>
+          <a:lstStyle/>
+          <a:p>
+            <a:pPr fontAlgn="base"/>
+            <a:r>
+              <a:rPr lang="pt-BR" b="1" dirty="0"/>
+              <a:t>Padrão do </a:t>
+            </a:r>
+            <a:r>
+              <a:rPr lang="pt-BR" b="1" dirty="0" err="1"/>
+              <a:t>mapeador</a:t>
+            </a:r>
+            <a:r>
+              <a:rPr lang="pt-BR" b="1" dirty="0"/>
+              <a:t> </a:t>
+            </a:r>
+            <a:r>
+              <a:rPr lang="pt-BR" b="1" dirty="0" err="1" smtClean="0"/>
+              <a:t>Datta</a:t>
+            </a:r>
+            <a:r>
+              <a:rPr lang="pt-BR" b="1" dirty="0" smtClean="0"/>
+              <a:t/>
+            </a:r>
+            <a:br>
+              <a:rPr lang="pt-BR" b="1" dirty="0" smtClean="0"/>
+            </a:br>
+            <a:r>
+              <a:rPr lang="pt-BR" sz="3600" i="1" dirty="0" err="1"/>
+              <a:t>Datta</a:t>
+            </a:r>
+            <a:r>
+              <a:rPr lang="pt-BR" sz="3600" i="1" dirty="0"/>
+              <a:t> </a:t>
+            </a:r>
+            <a:r>
+              <a:rPr lang="pt-BR" sz="3600" i="1" dirty="0" err="1"/>
+              <a:t>mapper</a:t>
+            </a:r>
+            <a:r>
+              <a:rPr lang="pt-BR" sz="3600" i="1" dirty="0"/>
+              <a:t> </a:t>
+            </a:r>
+            <a:r>
+              <a:rPr lang="pt-BR" sz="3600" i="1" dirty="0" err="1"/>
+              <a:t>pattern</a:t>
+            </a:r>
+            <a:r>
+              <a:rPr lang="pt-BR" dirty="0"/>
+              <a:t/>
+            </a:r>
+            <a:br>
+              <a:rPr lang="pt-BR" dirty="0"/>
+            </a:br>
+            <a:r>
+              <a:rPr lang="pt-BR" dirty="0"/>
+              <a:t/>
+            </a:r>
+            <a:br>
+              <a:rPr lang="pt-BR" dirty="0"/>
+            </a:br>
+            <a:endParaRPr lang="pt-BR" b="1" dirty="0"/>
+          </a:p>
+        </p:txBody>
+      </p:sp>
+      <p:sp>
+        <p:nvSpPr>
+          <p:cNvPr id="3" name="Espaço Reservado para Conteúdo 2"/>
+          <p:cNvSpPr>
+            <a:spLocks noGrp="1"/>
+          </p:cNvSpPr>
+          <p:nvPr>
+            <p:ph idx="1"/>
+          </p:nvPr>
+        </p:nvSpPr>
+        <p:spPr/>
+        <p:txBody>
+          <a:bodyPr>
+            <a:normAutofit/>
+          </a:bodyPr>
+          <a:lstStyle/>
+          <a:p>
+            <a:pPr fontAlgn="base"/>
+            <a:r>
+              <a:rPr lang="pt-BR" sz="2400" dirty="0" smtClean="0"/>
+              <a:t>Um </a:t>
+            </a:r>
+            <a:r>
+              <a:rPr lang="pt-BR" sz="2400" i="1" dirty="0" err="1" smtClean="0"/>
+              <a:t>Datta</a:t>
+            </a:r>
+            <a:r>
+              <a:rPr lang="pt-BR" sz="2400" i="1" dirty="0" smtClean="0"/>
+              <a:t> </a:t>
+            </a:r>
+            <a:r>
+              <a:rPr lang="pt-BR" sz="2400" i="1" dirty="0" err="1" smtClean="0"/>
+              <a:t>mapper</a:t>
+            </a:r>
+            <a:r>
+              <a:rPr lang="pt-BR" sz="2400" i="1" dirty="0" smtClean="0"/>
+              <a:t> </a:t>
+            </a:r>
+            <a:r>
+              <a:rPr lang="pt-BR" sz="2400" i="1" dirty="0" err="1" smtClean="0"/>
+              <a:t>pattern</a:t>
+            </a:r>
+            <a:r>
+              <a:rPr lang="pt-BR" sz="2400" i="1" dirty="0" smtClean="0"/>
+              <a:t> </a:t>
+            </a:r>
+            <a:r>
+              <a:rPr lang="pt-BR" sz="2400" dirty="0" smtClean="0"/>
+              <a:t>separa classes e objetos da estrutura do banco de dados e não segue </a:t>
+            </a:r>
+            <a:r>
+              <a:rPr lang="pt-BR" sz="2400" u="sng" dirty="0" smtClean="0"/>
+              <a:t>necessariamente</a:t>
+            </a:r>
+            <a:r>
+              <a:rPr lang="pt-BR" sz="2400" dirty="0" smtClean="0"/>
+              <a:t> a regra "um objeto = uma linha na tabela". Um objeto pode corresponder a várias tabelas, enquanto os programadores especificam como os objetos são serializados, </a:t>
+            </a:r>
+            <a:r>
+              <a:rPr lang="pt-BR" sz="2400" dirty="0" err="1" smtClean="0"/>
+              <a:t>desserializados</a:t>
+            </a:r>
+            <a:r>
+              <a:rPr lang="pt-BR" sz="2400" dirty="0" smtClean="0"/>
+              <a:t> e conectados ao banco de dados. Todas as operações do banco de dados são separadas dos objetos. </a:t>
+            </a:r>
+          </a:p>
+          <a:p>
+            <a:pPr fontAlgn="base"/>
+            <a:r>
+              <a:rPr lang="pt-BR" sz="2400" dirty="0" smtClean="0"/>
+              <a:t>Você pode trabalhar com coleções de tabelas e atualizá-las simultaneamente. Tudo isso dá aos programadores mais controle e flexibilidade, mas exige mais esforço. </a:t>
+            </a:r>
+            <a:endParaRPr lang="pt-BR" sz="2400" dirty="0"/>
+          </a:p>
+        </p:txBody>
+      </p:sp>
+    </p:spTree>
+    <p:extLst>
+      <p:ext uri="{BB962C8B-B14F-4D97-AF65-F5344CB8AC3E}">
+        <p14:creationId xmlns:p14="http://schemas.microsoft.com/office/powerpoint/2010/main" val="3359166953"/>
+      </p:ext>
+    </p:extLst>
+  </p:cSld>
+  <p:clrMapOvr>
+    <a:masterClrMapping/>
+  </p:clrMapOvr>
+</p:sld>
+</file>
+
+<file path=ppt/slides/slide8.xml><?xml version="1.0" encoding="utf-8"?>
+<p:sld xmlns:a="http://schemas.openxmlformats.org/drawingml/2006/main" xmlns:r="http://schemas.openxmlformats.org/officeDocument/2006/relationships" xmlns:p="http://schemas.openxmlformats.org/presentationml/2006/main">
+  <p:cSld>
+    <p:spTree>
+      <p:nvGrpSpPr>
+        <p:cNvPr id="1" name=""/>
+        <p:cNvGrpSpPr/>
+        <p:nvPr/>
+      </p:nvGrpSpPr>
+      <p:grpSpPr>
+        <a:xfrm>
+          <a:off x="0" y="0"/>
+          <a:ext cx="0" cy="0"/>
+          <a:chOff x="0" y="0"/>
+          <a:chExt cx="0" cy="0"/>
+        </a:xfrm>
+      </p:grpSpPr>
+      <p:sp>
+        <p:nvSpPr>
+          <p:cNvPr id="2" name="Título 1"/>
+          <p:cNvSpPr>
+            <a:spLocks noGrp="1"/>
+          </p:cNvSpPr>
+          <p:nvPr>
+            <p:ph type="title"/>
+          </p:nvPr>
+        </p:nvSpPr>
+        <p:spPr/>
+        <p:txBody>
+          <a:bodyPr/>
+          <a:lstStyle/>
+          <a:p>
+            <a:r>
+              <a:rPr lang="pt-BR" dirty="0" smtClean="0"/>
+              <a:t>Vantagens</a:t>
+            </a:r>
+            <a:endParaRPr lang="pt-BR" dirty="0"/>
+          </a:p>
+        </p:txBody>
+      </p:sp>
+      <p:sp>
+        <p:nvSpPr>
+          <p:cNvPr id="3" name="Espaço Reservado para Conteúdo 2"/>
+          <p:cNvSpPr>
+            <a:spLocks noGrp="1"/>
+          </p:cNvSpPr>
+          <p:nvPr>
+            <p:ph idx="1"/>
+          </p:nvPr>
+        </p:nvSpPr>
+        <p:spPr/>
+        <p:txBody>
+          <a:bodyPr/>
+          <a:lstStyle/>
+          <a:p>
+            <a:r>
+              <a:rPr lang="pt-BR" dirty="0"/>
+              <a:t>Aumento da produtividade.</a:t>
+            </a:r>
+          </a:p>
+          <a:p>
+            <a:r>
+              <a:rPr lang="pt-BR" dirty="0"/>
+              <a:t>Menor risco de erros com SQL mal </a:t>
+            </a:r>
+            <a:r>
+              <a:rPr lang="pt-BR" dirty="0" smtClean="0"/>
+              <a:t>estruturado.</a:t>
+            </a:r>
+            <a:endParaRPr lang="pt-BR" dirty="0"/>
+          </a:p>
+          <a:p>
+            <a:r>
+              <a:rPr lang="pt-BR" dirty="0"/>
+              <a:t>Integração natural </a:t>
+            </a:r>
+            <a:r>
+              <a:rPr lang="pt-BR" dirty="0" smtClean="0"/>
+              <a:t>com POO.</a:t>
+            </a:r>
+            <a:endParaRPr lang="pt-BR" dirty="0"/>
+          </a:p>
+          <a:p>
+            <a:r>
+              <a:rPr lang="pt-BR" dirty="0"/>
+              <a:t>Facilita testes e manutenção</a:t>
+            </a:r>
+          </a:p>
+          <a:p>
+            <a:endParaRPr lang="pt-BR" dirty="0"/>
+          </a:p>
+        </p:txBody>
+      </p:sp>
+    </p:spTree>
+    <p:extLst>
+      <p:ext uri="{BB962C8B-B14F-4D97-AF65-F5344CB8AC3E}">
+        <p14:creationId xmlns:p14="http://schemas.microsoft.com/office/powerpoint/2010/main" val="4061801107"/>
+      </p:ext>
+    </p:extLst>
+  </p:cSld>
+  <p:clrMapOvr>
+    <a:masterClrMapping/>
+  </p:clrMapOvr>
+</p:sld>
+</file>
+
+<file path=ppt/slides/slide9.xml><?xml version="1.0" encoding="utf-8"?>
+<p:sld xmlns:a="http://schemas.openxmlformats.org/drawingml/2006/main" xmlns:r="http://schemas.openxmlformats.org/officeDocument/2006/relationships" xmlns:p="http://schemas.openxmlformats.org/presentationml/2006/main">
+  <p:cSld>
+    <p:spTree>
+      <p:nvGrpSpPr>
+        <p:cNvPr id="1" name=""/>
+        <p:cNvGrpSpPr/>
+        <p:nvPr/>
+      </p:nvGrpSpPr>
+      <p:grpSpPr>
+        <a:xfrm>
+          <a:off x="0" y="0"/>
+          <a:ext cx="0" cy="0"/>
+          <a:chOff x="0" y="0"/>
+          <a:chExt cx="0" cy="0"/>
+        </a:xfrm>
+      </p:grpSpPr>
+      <p:sp>
+        <p:nvSpPr>
+          <p:cNvPr id="2" name="Título 1"/>
+          <p:cNvSpPr>
+            <a:spLocks noGrp="1"/>
+          </p:cNvSpPr>
+          <p:nvPr>
+            <p:ph type="title"/>
+          </p:nvPr>
+        </p:nvSpPr>
+        <p:spPr/>
+        <p:txBody>
+          <a:bodyPr/>
+          <a:lstStyle/>
+          <a:p>
+            <a:r>
+              <a:rPr lang="pt-BR" dirty="0" smtClean="0"/>
+              <a:t>Desvantagens</a:t>
+            </a:r>
+            <a:endParaRPr lang="pt-BR" dirty="0"/>
+          </a:p>
+        </p:txBody>
+      </p:sp>
+      <p:sp>
+        <p:nvSpPr>
+          <p:cNvPr id="3" name="Espaço Reservado para Conteúdo 2"/>
+          <p:cNvSpPr>
+            <a:spLocks noGrp="1"/>
+          </p:cNvSpPr>
+          <p:nvPr>
+            <p:ph idx="1"/>
+          </p:nvPr>
+        </p:nvSpPr>
+        <p:spPr/>
+        <p:txBody>
+          <a:bodyPr/>
+          <a:lstStyle/>
+          <a:p>
+            <a:r>
+              <a:rPr lang="pt-BR" dirty="0" smtClean="0"/>
+              <a:t>Menor </a:t>
+            </a:r>
+            <a:r>
+              <a:rPr lang="pt-BR" u="sng" dirty="0" smtClean="0"/>
+              <a:t>controle</a:t>
+            </a:r>
+            <a:r>
+              <a:rPr lang="pt-BR" dirty="0" smtClean="0"/>
+              <a:t> sobre o SQL gerado.</a:t>
+            </a:r>
+          </a:p>
+          <a:p>
+            <a:r>
+              <a:rPr lang="pt-BR" dirty="0" smtClean="0"/>
+              <a:t>Pode gerar consultas ineficientes se mal configurado.</a:t>
+            </a:r>
+          </a:p>
+          <a:p>
+            <a:r>
+              <a:rPr lang="pt-BR" dirty="0" smtClean="0"/>
+              <a:t>Nem sempre é ideal para cenários altamente complexos.</a:t>
+            </a:r>
+            <a:endParaRPr lang="pt-BR" dirty="0"/>
+          </a:p>
+        </p:txBody>
+      </p:sp>
+    </p:spTree>
+    <p:extLst>
+      <p:ext uri="{BB962C8B-B14F-4D97-AF65-F5344CB8AC3E}">
+        <p14:creationId xmlns:p14="http://schemas.microsoft.com/office/powerpoint/2010/main" val="3627591118"/>
       </p:ext>
     </p:extLst>
   </p:cSld>
